--- a/herny.pptx
+++ b/herny.pptx
@@ -5,15 +5,14 @@
     <p:sldMasterId id="2147483732" r:id="rId1"/>
   </p:sldMasterIdLst>
   <p:notesMasterIdLst>
-    <p:notesMasterId r:id="rId8"/>
+    <p:notesMasterId r:id="rId7"/>
   </p:notesMasterIdLst>
   <p:sldIdLst>
     <p:sldId id="256" r:id="rId2"/>
-    <p:sldId id="257" r:id="rId3"/>
+    <p:sldId id="260" r:id="rId3"/>
     <p:sldId id="258" r:id="rId4"/>
-    <p:sldId id="259" r:id="rId5"/>
-    <p:sldId id="260" r:id="rId6"/>
-    <p:sldId id="261" r:id="rId7"/>
+    <p:sldId id="257" r:id="rId5"/>
+    <p:sldId id="259" r:id="rId6"/>
   </p:sldIdLst>
   <p:sldSz cx="9144000" cy="6858000" type="screen4x3"/>
   <p:notesSz cx="6858000" cy="9144000"/>
@@ -511,7 +510,7 @@
           <a:p>
             <a:r>
               <a:rPr lang="en-CA" dirty="0" smtClean="0"/>
-              <a:t>Title Page</a:t>
+              <a:t>Title Page </a:t>
             </a:r>
             <a:endParaRPr lang="en-CA" dirty="0"/>
           </a:p>
@@ -598,8 +597,8 @@
           <a:lstStyle/>
           <a:p>
             <a:r>
-              <a:rPr lang="en-CA" dirty="0" err="1" smtClean="0"/>
-              <a:t>Twoooooooooooooooo</a:t>
+              <a:rPr lang="en-CA" dirty="0" smtClean="0"/>
+              <a:t>5356295141.3</a:t>
             </a:r>
             <a:endParaRPr lang="en-CA" dirty="0"/>
           </a:p>
@@ -631,7 +630,7 @@
     </p:spTree>
     <p:extLst>
       <p:ext uri="{BB962C8B-B14F-4D97-AF65-F5344CB8AC3E}">
-        <p14:creationId xmlns:p14="http://schemas.microsoft.com/office/powerpoint/2010/main" val="2682218112"/>
+        <p14:creationId xmlns:p14="http://schemas.microsoft.com/office/powerpoint/2010/main" val="2734200767"/>
       </p:ext>
     </p:extLst>
   </p:cSld>
@@ -686,8 +685,8 @@
           <a:lstStyle/>
           <a:p>
             <a:r>
-              <a:rPr lang="en-CA" dirty="0" err="1" smtClean="0"/>
-              <a:t>Threeeee</a:t>
+              <a:rPr lang="en-CA" dirty="0" smtClean="0"/>
+              <a:t>Cards, Presenter, Time </a:t>
             </a:r>
             <a:endParaRPr lang="en-CA" dirty="0"/>
           </a:p>
@@ -774,8 +773,8 @@
           <a:lstStyle/>
           <a:p>
             <a:r>
-              <a:rPr lang="en-CA" dirty="0" smtClean="0"/>
-              <a:t>Four</a:t>
+              <a:rPr lang="en-CA" baseline="0" dirty="0" smtClean="0"/>
+              <a:t>Note, Remote, Timer </a:t>
             </a:r>
             <a:endParaRPr lang="en-CA" dirty="0"/>
           </a:p>
@@ -807,7 +806,7 @@
     </p:spTree>
     <p:extLst>
       <p:ext uri="{BB962C8B-B14F-4D97-AF65-F5344CB8AC3E}">
-        <p14:creationId xmlns:p14="http://schemas.microsoft.com/office/powerpoint/2010/main" val="22017009"/>
+        <p14:creationId xmlns:p14="http://schemas.microsoft.com/office/powerpoint/2010/main" val="2682218112"/>
       </p:ext>
     </p:extLst>
   </p:cSld>
@@ -863,7 +862,7 @@
           <a:p>
             <a:r>
               <a:rPr lang="en-CA" dirty="0" smtClean="0"/>
-              <a:t>Five</a:t>
+              <a:t>Question Slide</a:t>
             </a:r>
             <a:endParaRPr lang="en-CA" dirty="0"/>
           </a:p>
@@ -895,99 +894,7 @@
     </p:spTree>
     <p:extLst>
       <p:ext uri="{BB962C8B-B14F-4D97-AF65-F5344CB8AC3E}">
-        <p14:creationId xmlns:p14="http://schemas.microsoft.com/office/powerpoint/2010/main" val="3180676238"/>
-      </p:ext>
-    </p:extLst>
-  </p:cSld>
-  <p:clrMapOvr>
-    <a:masterClrMapping/>
-  </p:clrMapOvr>
-</p:notes>
-</file>
-
-<file path=ppt/notesSlides/notesSlide6.xml><?xml version="1.0" encoding="utf-8"?>
-<p:notes xmlns:a="http://schemas.openxmlformats.org/drawingml/2006/main" xmlns:r="http://schemas.openxmlformats.org/officeDocument/2006/relationships" xmlns:p="http://schemas.openxmlformats.org/presentationml/2006/main">
-  <p:cSld>
-    <p:spTree>
-      <p:nvGrpSpPr>
-        <p:cNvPr id="1" name=""/>
-        <p:cNvGrpSpPr/>
-        <p:nvPr/>
-      </p:nvGrpSpPr>
-      <p:grpSpPr>
-        <a:xfrm>
-          <a:off x="0" y="0"/>
-          <a:ext cx="0" cy="0"/>
-          <a:chOff x="0" y="0"/>
-          <a:chExt cx="0" cy="0"/>
-        </a:xfrm>
-      </p:grpSpPr>
-      <p:sp>
-        <p:nvSpPr>
-          <p:cNvPr id="2" name="Slide Image Placeholder 1"/>
-          <p:cNvSpPr>
-            <a:spLocks noGrp="1" noRot="1" noChangeAspect="1"/>
-          </p:cNvSpPr>
-          <p:nvPr>
-            <p:ph type="sldImg"/>
-          </p:nvPr>
-        </p:nvSpPr>
-        <p:spPr/>
-      </p:sp>
-      <p:sp>
-        <p:nvSpPr>
-          <p:cNvPr id="3" name="Notes Placeholder 2"/>
-          <p:cNvSpPr>
-            <a:spLocks noGrp="1"/>
-          </p:cNvSpPr>
-          <p:nvPr>
-            <p:ph type="body" idx="1"/>
-          </p:nvPr>
-        </p:nvSpPr>
-        <p:spPr/>
-        <p:txBody>
-          <a:bodyPr/>
-          <a:lstStyle/>
-          <a:p>
-            <a:r>
-              <a:rPr lang="en-CA" smtClean="0"/>
-              <a:t>Final</a:t>
-            </a:r>
-            <a:r>
-              <a:rPr lang="en-CA" baseline="0" smtClean="0"/>
-              <a:t> (Six)</a:t>
-            </a:r>
-            <a:endParaRPr lang="en-CA" dirty="0"/>
-          </a:p>
-        </p:txBody>
-      </p:sp>
-      <p:sp>
-        <p:nvSpPr>
-          <p:cNvPr id="4" name="Slide Number Placeholder 3"/>
-          <p:cNvSpPr>
-            <a:spLocks noGrp="1"/>
-          </p:cNvSpPr>
-          <p:nvPr>
-            <p:ph type="sldNum" sz="quarter" idx="10"/>
-          </p:nvPr>
-        </p:nvSpPr>
-        <p:spPr/>
-        <p:txBody>
-          <a:bodyPr/>
-          <a:lstStyle/>
-          <a:p>
-            <a:fld id="{5DD9998E-D6BF-4A05-9AE7-C60AFA0E4A44}" type="slidenum">
-              <a:rPr lang="en-CA" smtClean="0"/>
-              <a:t>6</a:t>
-            </a:fld>
-            <a:endParaRPr lang="en-CA"/>
-          </a:p>
-        </p:txBody>
-      </p:sp>
-    </p:spTree>
-    <p:extLst>
-      <p:ext uri="{BB962C8B-B14F-4D97-AF65-F5344CB8AC3E}">
-        <p14:creationId xmlns:p14="http://schemas.microsoft.com/office/powerpoint/2010/main" val="1781086657"/>
+        <p14:creationId xmlns:p14="http://schemas.microsoft.com/office/powerpoint/2010/main" val="22017009"/>
       </p:ext>
     </p:extLst>
   </p:cSld>
@@ -5565,41 +5472,28 @@
       </p:grpSpPr>
       <p:sp>
         <p:nvSpPr>
-          <p:cNvPr id="3" name="Content Placeholder 2"/>
-          <p:cNvSpPr>
-            <a:spLocks noGrp="1"/>
-          </p:cNvSpPr>
-          <p:nvPr>
-            <p:ph idx="1"/>
-          </p:nvPr>
-        </p:nvSpPr>
-        <p:spPr/>
+          <p:cNvPr id="4" name="Title 3"/>
+          <p:cNvSpPr>
+            <a:spLocks noGrp="1"/>
+          </p:cNvSpPr>
+          <p:nvPr>
+            <p:ph type="title"/>
+          </p:nvPr>
+        </p:nvSpPr>
+        <p:spPr>
+          <a:xfrm>
+            <a:off x="381000" y="2667000"/>
+            <a:ext cx="8229600" cy="1143000"/>
+          </a:xfrm>
+        </p:spPr>
         <p:txBody>
           <a:bodyPr/>
           <a:lstStyle/>
           <a:p>
-            <a:endParaRPr lang="en-CA"/>
-          </a:p>
-        </p:txBody>
-      </p:sp>
-      <p:sp>
-        <p:nvSpPr>
-          <p:cNvPr id="2" name="Title 1"/>
-          <p:cNvSpPr>
-            <a:spLocks noGrp="1"/>
-          </p:cNvSpPr>
-          <p:nvPr>
-            <p:ph type="title"/>
-          </p:nvPr>
-        </p:nvSpPr>
-        <p:spPr/>
-        <p:txBody>
-          <a:bodyPr/>
-          <a:lstStyle/>
-          <a:p>
-            <a:r>
-              <a:rPr lang="en-CA" dirty="0" smtClean="0"/>
-              <a:t>du</a:t>
+            <a:pPr algn="ctr"/>
+            <a:r>
+              <a:rPr lang="en-CA" dirty="0"/>
+              <a:t>3.1415926535</a:t>
             </a:r>
             <a:endParaRPr lang="en-CA" dirty="0"/>
           </a:p>
@@ -5608,7 +5502,7 @@
     </p:spTree>
     <p:extLst>
       <p:ext uri="{BB962C8B-B14F-4D97-AF65-F5344CB8AC3E}">
-        <p14:creationId xmlns:p14="http://schemas.microsoft.com/office/powerpoint/2010/main" val="1751521670"/>
+        <p14:creationId xmlns:p14="http://schemas.microsoft.com/office/powerpoint/2010/main" val="1940100226"/>
       </p:ext>
     </p:extLst>
   </p:cSld>
@@ -5657,6 +5551,39 @@
           <a:bodyPr/>
           <a:lstStyle/>
           <a:p>
+            <a:pPr>
+              <a:lnSpc>
+                <a:spcPct val="300000"/>
+              </a:lnSpc>
+            </a:pPr>
+            <a:r>
+              <a:rPr lang="en-CA" dirty="0" smtClean="0"/>
+              <a:t>Cue cards</a:t>
+            </a:r>
+          </a:p>
+          <a:p>
+            <a:pPr>
+              <a:lnSpc>
+                <a:spcPct val="300000"/>
+              </a:lnSpc>
+            </a:pPr>
+            <a:r>
+              <a:rPr lang="en-CA" dirty="0" smtClean="0"/>
+              <a:t>Presenter View</a:t>
+            </a:r>
+          </a:p>
+          <a:p>
+            <a:pPr>
+              <a:lnSpc>
+                <a:spcPct val="300000"/>
+              </a:lnSpc>
+            </a:pPr>
+            <a:r>
+              <a:rPr lang="en-CA" dirty="0" smtClean="0"/>
+              <a:t>Time frame</a:t>
+            </a:r>
+          </a:p>
+          <a:p>
             <a:endParaRPr lang="en-CA" dirty="0"/>
           </a:p>
         </p:txBody>
@@ -5678,7 +5605,7 @@
           <a:p>
             <a:r>
               <a:rPr lang="en-CA" dirty="0" smtClean="0"/>
-              <a:t>XD</a:t>
+              <a:t>The Problem</a:t>
             </a:r>
             <a:endParaRPr lang="en-CA" dirty="0"/>
           </a:p>
@@ -5733,36 +5660,86 @@
         </p:nvSpPr>
         <p:spPr/>
         <p:txBody>
+          <a:bodyPr>
+            <a:noAutofit/>
+          </a:bodyPr>
+          <a:lstStyle/>
+          <a:p>
+            <a:pPr>
+              <a:lnSpc>
+                <a:spcPct val="300000"/>
+              </a:lnSpc>
+            </a:pPr>
+            <a:r>
+              <a:rPr lang="en-CA" dirty="0" smtClean="0"/>
+              <a:t>Remote to control PowerPoint Presentation</a:t>
+            </a:r>
+          </a:p>
+          <a:p>
+            <a:pPr>
+              <a:lnSpc>
+                <a:spcPct val="300000"/>
+              </a:lnSpc>
+            </a:pPr>
+            <a:r>
+              <a:rPr lang="en-CA" dirty="0" smtClean="0"/>
+              <a:t>Incorporates Speaker Notes</a:t>
+            </a:r>
+          </a:p>
+          <a:p>
+            <a:pPr>
+              <a:lnSpc>
+                <a:spcPct val="300000"/>
+              </a:lnSpc>
+            </a:pPr>
+            <a:r>
+              <a:rPr lang="en-CA" dirty="0" smtClean="0"/>
+              <a:t>Timer</a:t>
+            </a:r>
+            <a:r>
+              <a:rPr lang="en-CA" dirty="0" smtClean="0"/>
+              <a:t/>
+            </a:r>
+            <a:br>
+              <a:rPr lang="en-CA" dirty="0" smtClean="0"/>
+            </a:br>
+            <a:endParaRPr lang="en-CA" dirty="0" smtClean="0"/>
+          </a:p>
+          <a:p>
+            <a:endParaRPr lang="en-CA" dirty="0" smtClean="0"/>
+          </a:p>
+          <a:p>
+            <a:endParaRPr lang="en-CA" dirty="0"/>
+          </a:p>
+        </p:txBody>
+      </p:sp>
+      <p:sp>
+        <p:nvSpPr>
+          <p:cNvPr id="2" name="Title 1"/>
+          <p:cNvSpPr>
+            <a:spLocks noGrp="1"/>
+          </p:cNvSpPr>
+          <p:nvPr>
+            <p:ph type="title"/>
+          </p:nvPr>
+        </p:nvSpPr>
+        <p:spPr/>
+        <p:txBody>
           <a:bodyPr/>
           <a:lstStyle/>
           <a:p>
-            <a:endParaRPr lang="en-CA"/>
-          </a:p>
-        </p:txBody>
-      </p:sp>
-      <p:sp>
-        <p:nvSpPr>
-          <p:cNvPr id="2" name="Title 1"/>
-          <p:cNvSpPr>
-            <a:spLocks noGrp="1"/>
-          </p:cNvSpPr>
-          <p:nvPr>
-            <p:ph type="title"/>
-          </p:nvPr>
-        </p:nvSpPr>
-        <p:spPr/>
-        <p:txBody>
-          <a:bodyPr/>
-          <a:lstStyle/>
-          <a:p>
-            <a:endParaRPr lang="en-CA"/>
+            <a:r>
+              <a:rPr lang="en-CA" dirty="0" smtClean="0"/>
+              <a:t>Features</a:t>
+            </a:r>
+            <a:endParaRPr lang="en-CA" dirty="0"/>
           </a:p>
         </p:txBody>
       </p:sp>
     </p:spTree>
     <p:extLst>
       <p:ext uri="{BB962C8B-B14F-4D97-AF65-F5344CB8AC3E}">
-        <p14:creationId xmlns:p14="http://schemas.microsoft.com/office/powerpoint/2010/main" val="3659418178"/>
+        <p14:creationId xmlns:p14="http://schemas.microsoft.com/office/powerpoint/2010/main" val="1751521670"/>
       </p:ext>
     </p:extLst>
   </p:cSld>
@@ -5798,121 +5775,36 @@
       </p:grpSpPr>
       <p:sp>
         <p:nvSpPr>
-          <p:cNvPr id="3" name="Content Placeholder 2"/>
-          <p:cNvSpPr>
-            <a:spLocks noGrp="1"/>
-          </p:cNvSpPr>
-          <p:nvPr>
-            <p:ph idx="1"/>
-          </p:nvPr>
-        </p:nvSpPr>
-        <p:spPr/>
+          <p:cNvPr id="2" name="Title 1"/>
+          <p:cNvSpPr>
+            <a:spLocks noGrp="1"/>
+          </p:cNvSpPr>
+          <p:nvPr>
+            <p:ph type="title"/>
+          </p:nvPr>
+        </p:nvSpPr>
+        <p:spPr>
+          <a:xfrm>
+            <a:off x="2133600" y="2895600"/>
+            <a:ext cx="8229600" cy="1143000"/>
+          </a:xfrm>
+        </p:spPr>
         <p:txBody>
           <a:bodyPr/>
           <a:lstStyle/>
           <a:p>
-            <a:endParaRPr lang="en-CA"/>
-          </a:p>
-        </p:txBody>
-      </p:sp>
-      <p:sp>
-        <p:nvSpPr>
-          <p:cNvPr id="2" name="Title 1"/>
-          <p:cNvSpPr>
-            <a:spLocks noGrp="1"/>
-          </p:cNvSpPr>
-          <p:nvPr>
-            <p:ph type="title"/>
-          </p:nvPr>
-        </p:nvSpPr>
-        <p:spPr/>
-        <p:txBody>
-          <a:bodyPr/>
-          <a:lstStyle/>
-          <a:p>
-            <a:endParaRPr lang="en-CA"/>
+            <a:r>
+              <a:rPr lang="en-CA" dirty="0" smtClean="0"/>
+              <a:t>Questions?</a:t>
+            </a:r>
+            <a:endParaRPr lang="en-CA" dirty="0"/>
           </a:p>
         </p:txBody>
       </p:sp>
     </p:spTree>
     <p:extLst>
       <p:ext uri="{BB962C8B-B14F-4D97-AF65-F5344CB8AC3E}">
-        <p14:creationId xmlns:p14="http://schemas.microsoft.com/office/powerpoint/2010/main" val="474267270"/>
-      </p:ext>
-    </p:extLst>
-  </p:cSld>
-  <p:clrMapOvr>
-    <a:masterClrMapping/>
-  </p:clrMapOvr>
-  <p:timing>
-    <p:tnLst>
-      <p:par>
-        <p:cTn id="1" dur="indefinite" restart="never" nodeType="tmRoot"/>
-      </p:par>
-    </p:tnLst>
-  </p:timing>
-</p:sld>
-</file>
-
-<file path=ppt/slides/slide6.xml><?xml version="1.0" encoding="utf-8"?>
-<p:sld xmlns:a="http://schemas.openxmlformats.org/drawingml/2006/main" xmlns:r="http://schemas.openxmlformats.org/officeDocument/2006/relationships" xmlns:p="http://schemas.openxmlformats.org/presentationml/2006/main">
-  <p:cSld>
-    <p:spTree>
-      <p:nvGrpSpPr>
-        <p:cNvPr id="1" name=""/>
-        <p:cNvGrpSpPr/>
-        <p:nvPr/>
-      </p:nvGrpSpPr>
-      <p:grpSpPr>
-        <a:xfrm>
-          <a:off x="0" y="0"/>
-          <a:ext cx="0" cy="0"/>
-          <a:chOff x="0" y="0"/>
-          <a:chExt cx="0" cy="0"/>
-        </a:xfrm>
-      </p:grpSpPr>
-      <p:sp>
-        <p:nvSpPr>
-          <p:cNvPr id="3" name="Content Placeholder 2"/>
-          <p:cNvSpPr>
-            <a:spLocks noGrp="1"/>
-          </p:cNvSpPr>
-          <p:nvPr>
-            <p:ph idx="1"/>
-          </p:nvPr>
-        </p:nvSpPr>
-        <p:spPr/>
-        <p:txBody>
-          <a:bodyPr/>
-          <a:lstStyle/>
-          <a:p>
-            <a:endParaRPr lang="en-CA"/>
-          </a:p>
-        </p:txBody>
-      </p:sp>
-      <p:sp>
-        <p:nvSpPr>
-          <p:cNvPr id="2" name="Title 1"/>
-          <p:cNvSpPr>
-            <a:spLocks noGrp="1"/>
-          </p:cNvSpPr>
-          <p:nvPr>
-            <p:ph type="title"/>
-          </p:nvPr>
-        </p:nvSpPr>
-        <p:spPr/>
-        <p:txBody>
-          <a:bodyPr/>
-          <a:lstStyle/>
-          <a:p>
-            <a:endParaRPr lang="en-CA"/>
-          </a:p>
-        </p:txBody>
-      </p:sp>
-    </p:spTree>
-    <p:extLst>
-      <p:ext uri="{BB962C8B-B14F-4D97-AF65-F5344CB8AC3E}">
-        <p14:creationId xmlns:p14="http://schemas.microsoft.com/office/powerpoint/2010/main" val="221420365"/>
+        <p14:creationId xmlns:p14="http://schemas.microsoft.com/office/powerpoint/2010/main" val="3659418178"/>
       </p:ext>
     </p:extLst>
   </p:cSld>
